--- a/PROGRAMMING__FUNDAMENTALS.pptx
+++ b/PROGRAMMING__FUNDAMENTALS.pptx
@@ -221,7 +221,7 @@
           <a:p>
             <a:fld id="{7CCEEBF7-0409-4096-B12C-5CB7B975F199}" type="datetimeFigureOut">
               <a:rPr lang="en-GB" smtClean="0"/>
-              <a:t>26/01/2025</a:t>
+              <a:t>27/01/2025</a:t>
             </a:fld>
             <a:endParaRPr lang="en-GB"/>
           </a:p>
@@ -399,7 +399,7 @@
           <a:p>
             <a:fld id="{EE1F231C-24D0-4EBA-91DB-8901ECE49FD6}" type="datetimeFigureOut">
               <a:rPr lang="en-GB" smtClean="0"/>
-              <a:t>26/01/2025</a:t>
+              <a:t>27/01/2025</a:t>
             </a:fld>
             <a:endParaRPr lang="en-GB"/>
           </a:p>
@@ -942,7 +942,7 @@
           <a:p>
             <a:fld id="{DF735B9E-03B9-450E-8E8B-C4AF54F999F4}" type="datetime1">
               <a:rPr lang="en-GB" smtClean="0"/>
-              <a:t>26/01/2025</a:t>
+              <a:t>27/01/2025</a:t>
             </a:fld>
             <a:endParaRPr lang="en-GB"/>
           </a:p>
@@ -1368,7 +1368,7 @@
           <a:p>
             <a:fld id="{BEF61916-2926-4DE8-A263-007656C04064}" type="datetime1">
               <a:rPr lang="en-GB" smtClean="0"/>
-              <a:t>26/01/2025</a:t>
+              <a:t>27/01/2025</a:t>
             </a:fld>
             <a:endParaRPr lang="en-GB"/>
           </a:p>
@@ -1716,7 +1716,7 @@
           <a:p>
             <a:fld id="{CF2DC8D3-44DE-420C-8D5F-990081632FDB}" type="datetime1">
               <a:rPr lang="en-GB" smtClean="0"/>
-              <a:t>26/01/2025</a:t>
+              <a:t>27/01/2025</a:t>
             </a:fld>
             <a:endParaRPr lang="en-GB"/>
           </a:p>
@@ -2133,7 +2133,7 @@
           <a:p>
             <a:fld id="{8899D05D-6795-4863-A1D3-A622F06A5CB0}" type="datetime1">
               <a:rPr lang="en-GB" smtClean="0"/>
-              <a:t>26/01/2025</a:t>
+              <a:t>27/01/2025</a:t>
             </a:fld>
             <a:endParaRPr lang="en-GB"/>
           </a:p>
@@ -2713,7 +2713,7 @@
           <a:p>
             <a:fld id="{A1C6742A-943B-4A78-9B45-36D804734619}" type="datetime1">
               <a:rPr lang="en-GB" smtClean="0"/>
-              <a:t>26/01/2025</a:t>
+              <a:t>27/01/2025</a:t>
             </a:fld>
             <a:endParaRPr lang="en-GB"/>
           </a:p>
@@ -3406,7 +3406,7 @@
           <a:p>
             <a:fld id="{BF2EE4D9-9564-4B42-9395-288AF4D102CC}" type="datetime1">
               <a:rPr lang="en-GB" smtClean="0"/>
-              <a:t>26/01/2025</a:t>
+              <a:t>27/01/2025</a:t>
             </a:fld>
             <a:endParaRPr lang="en-GB"/>
           </a:p>
@@ -4331,7 +4331,7 @@
           <a:p>
             <a:fld id="{2D225388-AA32-422A-BE69-8045ED03A630}" type="datetime1">
               <a:rPr lang="en-GB" smtClean="0"/>
-              <a:t>26/01/2025</a:t>
+              <a:t>27/01/2025</a:t>
             </a:fld>
             <a:endParaRPr lang="en-GB"/>
           </a:p>
@@ -4656,7 +4656,7 @@
           <a:p>
             <a:fld id="{FBC00F5B-23CE-4010-B52F-55434C001CAC}" type="datetime1">
               <a:rPr lang="en-GB" smtClean="0"/>
-              <a:t>26/01/2025</a:t>
+              <a:t>27/01/2025</a:t>
             </a:fld>
             <a:endParaRPr lang="en-GB"/>
           </a:p>
@@ -4932,7 +4932,7 @@
           <a:p>
             <a:fld id="{F9D9A8EC-7322-4346-9289-941806959D75}" type="datetime1">
               <a:rPr lang="en-GB" smtClean="0"/>
-              <a:t>26/01/2025</a:t>
+              <a:t>27/01/2025</a:t>
             </a:fld>
             <a:endParaRPr lang="en-GB"/>
           </a:p>
@@ -5267,7 +5267,7 @@
           <a:p>
             <a:fld id="{22A23A5C-CC85-49BB-8FBF-CE286C30B5AA}" type="datetime1">
               <a:rPr lang="en-GB" smtClean="0"/>
-              <a:t>26/01/2025</a:t>
+              <a:t>27/01/2025</a:t>
             </a:fld>
             <a:endParaRPr lang="en-GB"/>
           </a:p>
@@ -5668,7 +5668,7 @@
           <a:p>
             <a:fld id="{F7D337E7-EEA3-482B-AA42-F21B5A1C2734}" type="datetime1">
               <a:rPr lang="en-GB" smtClean="0"/>
-              <a:t>26/01/2025</a:t>
+              <a:t>27/01/2025</a:t>
             </a:fld>
             <a:endParaRPr lang="en-GB"/>
           </a:p>
@@ -6056,7 +6056,7 @@
           <a:p>
             <a:fld id="{96F94A9C-8298-4E48-BCE9-EC6524872647}" type="datetime1">
               <a:rPr lang="en-GB" smtClean="0"/>
-              <a:t>26/01/2025</a:t>
+              <a:t>27/01/2025</a:t>
             </a:fld>
             <a:endParaRPr lang="en-GB"/>
           </a:p>
@@ -6574,7 +6574,7 @@
           <a:p>
             <a:fld id="{66FD087F-0FBE-443D-B3B5-629882B4EC2D}" type="datetime1">
               <a:rPr lang="en-GB" smtClean="0"/>
-              <a:t>26/01/2025</a:t>
+              <a:t>27/01/2025</a:t>
             </a:fld>
             <a:endParaRPr lang="en-GB"/>
           </a:p>
@@ -6843,7 +6843,7 @@
           <a:p>
             <a:fld id="{85BBAA42-6821-47D8-8189-C66663EA78DE}" type="datetime1">
               <a:rPr lang="en-GB" smtClean="0"/>
-              <a:t>26/01/2025</a:t>
+              <a:t>27/01/2025</a:t>
             </a:fld>
             <a:endParaRPr lang="en-GB"/>
           </a:p>
@@ -7018,7 +7018,7 @@
           <a:p>
             <a:fld id="{8BDEE48A-5538-45B0-9C86-DFDDB44F9216}" type="datetime1">
               <a:rPr lang="en-GB" smtClean="0"/>
-              <a:t>26/01/2025</a:t>
+              <a:t>27/01/2025</a:t>
             </a:fld>
             <a:endParaRPr lang="en-GB"/>
           </a:p>
@@ -7420,7 +7420,7 @@
           <a:p>
             <a:fld id="{57FB15DD-0CB0-473F-80D2-0D5B6F010260}" type="datetime1">
               <a:rPr lang="en-GB" smtClean="0"/>
-              <a:t>26/01/2025</a:t>
+              <a:t>27/01/2025</a:t>
             </a:fld>
             <a:endParaRPr lang="en-GB"/>
           </a:p>
@@ -7841,7 +7841,7 @@
           <a:p>
             <a:fld id="{C517F5B9-E9FB-403F-BCC7-89006A7B546D}" type="datetime1">
               <a:rPr lang="en-GB" smtClean="0"/>
-              <a:t>26/01/2025</a:t>
+              <a:t>27/01/2025</a:t>
             </a:fld>
             <a:endParaRPr lang="en-GB"/>
           </a:p>
@@ -8097,7 +8097,7 @@
           <a:p>
             <a:fld id="{A5F21F4F-5F66-44B0-B5B2-46736480C4FF}" type="datetime1">
               <a:rPr lang="en-GB" smtClean="0"/>
-              <a:t>26/01/2025</a:t>
+              <a:t>27/01/2025</a:t>
             </a:fld>
             <a:endParaRPr lang="en-GB"/>
           </a:p>
@@ -14684,6 +14684,447 @@
       </p:transition>
     </mc:Fallback>
   </mc:AlternateContent>
+  <p:timing>
+    <p:tnLst>
+      <p:par>
+        <p:cTn id="1" dur="indefinite" restart="never" nodeType="tmRoot">
+          <p:childTnLst>
+            <p:seq concurrent="1" nextAc="seek">
+              <p:cTn id="2" dur="indefinite" nodeType="mainSeq">
+                <p:childTnLst>
+                  <p:par>
+                    <p:cTn id="3" fill="hold">
+                      <p:stCondLst>
+                        <p:cond delay="indefinite"/>
+                      </p:stCondLst>
+                      <p:childTnLst>
+                        <p:par>
+                          <p:cTn id="4" fill="hold">
+                            <p:stCondLst>
+                              <p:cond delay="0"/>
+                            </p:stCondLst>
+                            <p:childTnLst>
+                              <p:par>
+                                <p:cTn id="5" presetID="8" presetClass="entr" presetSubtype="16" fill="hold" nodeType="clickEffect">
+                                  <p:stCondLst>
+                                    <p:cond delay="0"/>
+                                  </p:stCondLst>
+                                  <p:childTnLst>
+                                    <p:set>
+                                      <p:cBhvr>
+                                        <p:cTn id="6" dur="1" fill="hold">
+                                          <p:stCondLst>
+                                            <p:cond delay="0"/>
+                                          </p:stCondLst>
+                                        </p:cTn>
+                                        <p:tgtEl>
+                                          <p:spTgt spid="3">
+                                            <p:txEl>
+                                              <p:pRg st="0" end="0"/>
+                                            </p:txEl>
+                                          </p:spTgt>
+                                        </p:tgtEl>
+                                        <p:attrNameLst>
+                                          <p:attrName>style.visibility</p:attrName>
+                                        </p:attrNameLst>
+                                      </p:cBhvr>
+                                      <p:to>
+                                        <p:strVal val="visible"/>
+                                      </p:to>
+                                    </p:set>
+                                    <p:animEffect transition="in" filter="diamond(in)">
+                                      <p:cBhvr>
+                                        <p:cTn id="7" dur="2000"/>
+                                        <p:tgtEl>
+                                          <p:spTgt spid="3">
+                                            <p:txEl>
+                                              <p:pRg st="0" end="0"/>
+                                            </p:txEl>
+                                          </p:spTgt>
+                                        </p:tgtEl>
+                                      </p:cBhvr>
+                                    </p:animEffect>
+                                  </p:childTnLst>
+                                </p:cTn>
+                              </p:par>
+                              <p:par>
+                                <p:cTn id="8" presetID="8" presetClass="entr" presetSubtype="16" fill="hold" nodeType="withEffect">
+                                  <p:stCondLst>
+                                    <p:cond delay="0"/>
+                                  </p:stCondLst>
+                                  <p:childTnLst>
+                                    <p:set>
+                                      <p:cBhvr>
+                                        <p:cTn id="9" dur="1" fill="hold">
+                                          <p:stCondLst>
+                                            <p:cond delay="0"/>
+                                          </p:stCondLst>
+                                        </p:cTn>
+                                        <p:tgtEl>
+                                          <p:spTgt spid="3">
+                                            <p:txEl>
+                                              <p:pRg st="3" end="3"/>
+                                            </p:txEl>
+                                          </p:spTgt>
+                                        </p:tgtEl>
+                                        <p:attrNameLst>
+                                          <p:attrName>style.visibility</p:attrName>
+                                        </p:attrNameLst>
+                                      </p:cBhvr>
+                                      <p:to>
+                                        <p:strVal val="visible"/>
+                                      </p:to>
+                                    </p:set>
+                                    <p:animEffect transition="in" filter="diamond(in)">
+                                      <p:cBhvr>
+                                        <p:cTn id="10" dur="2000"/>
+                                        <p:tgtEl>
+                                          <p:spTgt spid="3">
+                                            <p:txEl>
+                                              <p:pRg st="3" end="3"/>
+                                            </p:txEl>
+                                          </p:spTgt>
+                                        </p:tgtEl>
+                                      </p:cBhvr>
+                                    </p:animEffect>
+                                  </p:childTnLst>
+                                </p:cTn>
+                              </p:par>
+                              <p:par>
+                                <p:cTn id="11" presetID="8" presetClass="entr" presetSubtype="16" fill="hold" nodeType="withEffect">
+                                  <p:stCondLst>
+                                    <p:cond delay="0"/>
+                                  </p:stCondLst>
+                                  <p:childTnLst>
+                                    <p:set>
+                                      <p:cBhvr>
+                                        <p:cTn id="12" dur="1" fill="hold">
+                                          <p:stCondLst>
+                                            <p:cond delay="0"/>
+                                          </p:stCondLst>
+                                        </p:cTn>
+                                        <p:tgtEl>
+                                          <p:spTgt spid="3">
+                                            <p:txEl>
+                                              <p:pRg st="6" end="6"/>
+                                            </p:txEl>
+                                          </p:spTgt>
+                                        </p:tgtEl>
+                                        <p:attrNameLst>
+                                          <p:attrName>style.visibility</p:attrName>
+                                        </p:attrNameLst>
+                                      </p:cBhvr>
+                                      <p:to>
+                                        <p:strVal val="visible"/>
+                                      </p:to>
+                                    </p:set>
+                                    <p:animEffect transition="in" filter="diamond(in)">
+                                      <p:cBhvr>
+                                        <p:cTn id="13" dur="2000"/>
+                                        <p:tgtEl>
+                                          <p:spTgt spid="3">
+                                            <p:txEl>
+                                              <p:pRg st="6" end="6"/>
+                                            </p:txEl>
+                                          </p:spTgt>
+                                        </p:tgtEl>
+                                      </p:cBhvr>
+                                    </p:animEffect>
+                                  </p:childTnLst>
+                                </p:cTn>
+                              </p:par>
+                            </p:childTnLst>
+                          </p:cTn>
+                        </p:par>
+                      </p:childTnLst>
+                    </p:cTn>
+                  </p:par>
+                  <p:par>
+                    <p:cTn id="14" fill="hold">
+                      <p:stCondLst>
+                        <p:cond delay="indefinite"/>
+                      </p:stCondLst>
+                      <p:childTnLst>
+                        <p:par>
+                          <p:cTn id="15" fill="hold">
+                            <p:stCondLst>
+                              <p:cond delay="0"/>
+                            </p:stCondLst>
+                            <p:childTnLst>
+                              <p:par>
+                                <p:cTn id="16" presetID="12" presetClass="entr" presetSubtype="4" fill="hold" nodeType="clickEffect">
+                                  <p:stCondLst>
+                                    <p:cond delay="0"/>
+                                  </p:stCondLst>
+                                  <p:childTnLst>
+                                    <p:set>
+                                      <p:cBhvr>
+                                        <p:cTn id="17" dur="1" fill="hold">
+                                          <p:stCondLst>
+                                            <p:cond delay="0"/>
+                                          </p:stCondLst>
+                                        </p:cTn>
+                                        <p:tgtEl>
+                                          <p:spTgt spid="3">
+                                            <p:txEl>
+                                              <p:pRg st="1" end="1"/>
+                                            </p:txEl>
+                                          </p:spTgt>
+                                        </p:tgtEl>
+                                        <p:attrNameLst>
+                                          <p:attrName>style.visibility</p:attrName>
+                                        </p:attrNameLst>
+                                      </p:cBhvr>
+                                      <p:to>
+                                        <p:strVal val="visible"/>
+                                      </p:to>
+                                    </p:set>
+                                    <p:anim calcmode="lin" valueType="num">
+                                      <p:cBhvr additive="base">
+                                        <p:cTn id="18" dur="500"/>
+                                        <p:tgtEl>
+                                          <p:spTgt spid="3">
+                                            <p:txEl>
+                                              <p:pRg st="1" end="1"/>
+                                            </p:txEl>
+                                          </p:spTgt>
+                                        </p:tgtEl>
+                                        <p:attrNameLst>
+                                          <p:attrName>ppt_y</p:attrName>
+                                        </p:attrNameLst>
+                                      </p:cBhvr>
+                                      <p:tavLst>
+                                        <p:tav tm="0">
+                                          <p:val>
+                                            <p:strVal val="#ppt_y+#ppt_h*1.125000"/>
+                                          </p:val>
+                                        </p:tav>
+                                        <p:tav tm="100000">
+                                          <p:val>
+                                            <p:strVal val="#ppt_y"/>
+                                          </p:val>
+                                        </p:tav>
+                                      </p:tavLst>
+                                    </p:anim>
+                                    <p:animEffect transition="in" filter="wipe(up)">
+                                      <p:cBhvr>
+                                        <p:cTn id="19" dur="500"/>
+                                        <p:tgtEl>
+                                          <p:spTgt spid="3">
+                                            <p:txEl>
+                                              <p:pRg st="1" end="1"/>
+                                            </p:txEl>
+                                          </p:spTgt>
+                                        </p:tgtEl>
+                                      </p:cBhvr>
+                                    </p:animEffect>
+                                  </p:childTnLst>
+                                </p:cTn>
+                              </p:par>
+                            </p:childTnLst>
+                          </p:cTn>
+                        </p:par>
+                      </p:childTnLst>
+                    </p:cTn>
+                  </p:par>
+                  <p:par>
+                    <p:cTn id="20" fill="hold">
+                      <p:stCondLst>
+                        <p:cond delay="indefinite"/>
+                      </p:stCondLst>
+                      <p:childTnLst>
+                        <p:par>
+                          <p:cTn id="21" fill="hold">
+                            <p:stCondLst>
+                              <p:cond delay="0"/>
+                            </p:stCondLst>
+                            <p:childTnLst>
+                              <p:par>
+                                <p:cTn id="22" presetID="12" presetClass="entr" presetSubtype="4" fill="hold" nodeType="clickEffect">
+                                  <p:stCondLst>
+                                    <p:cond delay="0"/>
+                                  </p:stCondLst>
+                                  <p:childTnLst>
+                                    <p:set>
+                                      <p:cBhvr>
+                                        <p:cTn id="23" dur="1" fill="hold">
+                                          <p:stCondLst>
+                                            <p:cond delay="0"/>
+                                          </p:stCondLst>
+                                        </p:cTn>
+                                        <p:tgtEl>
+                                          <p:spTgt spid="3">
+                                            <p:txEl>
+                                              <p:pRg st="4" end="4"/>
+                                            </p:txEl>
+                                          </p:spTgt>
+                                        </p:tgtEl>
+                                        <p:attrNameLst>
+                                          <p:attrName>style.visibility</p:attrName>
+                                        </p:attrNameLst>
+                                      </p:cBhvr>
+                                      <p:to>
+                                        <p:strVal val="visible"/>
+                                      </p:to>
+                                    </p:set>
+                                    <p:anim calcmode="lin" valueType="num">
+                                      <p:cBhvr additive="base">
+                                        <p:cTn id="24" dur="500"/>
+                                        <p:tgtEl>
+                                          <p:spTgt spid="3">
+                                            <p:txEl>
+                                              <p:pRg st="4" end="4"/>
+                                            </p:txEl>
+                                          </p:spTgt>
+                                        </p:tgtEl>
+                                        <p:attrNameLst>
+                                          <p:attrName>ppt_y</p:attrName>
+                                        </p:attrNameLst>
+                                      </p:cBhvr>
+                                      <p:tavLst>
+                                        <p:tav tm="0">
+                                          <p:val>
+                                            <p:strVal val="#ppt_y+#ppt_h*1.125000"/>
+                                          </p:val>
+                                        </p:tav>
+                                        <p:tav tm="100000">
+                                          <p:val>
+                                            <p:strVal val="#ppt_y"/>
+                                          </p:val>
+                                        </p:tav>
+                                      </p:tavLst>
+                                    </p:anim>
+                                    <p:animEffect transition="in" filter="wipe(up)">
+                                      <p:cBhvr>
+                                        <p:cTn id="25" dur="500"/>
+                                        <p:tgtEl>
+                                          <p:spTgt spid="3">
+                                            <p:txEl>
+                                              <p:pRg st="4" end="4"/>
+                                            </p:txEl>
+                                          </p:spTgt>
+                                        </p:tgtEl>
+                                      </p:cBhvr>
+                                    </p:animEffect>
+                                  </p:childTnLst>
+                                </p:cTn>
+                              </p:par>
+                            </p:childTnLst>
+                          </p:cTn>
+                        </p:par>
+                      </p:childTnLst>
+                    </p:cTn>
+                  </p:par>
+                  <p:par>
+                    <p:cTn id="26" fill="hold">
+                      <p:stCondLst>
+                        <p:cond delay="indefinite"/>
+                      </p:stCondLst>
+                      <p:childTnLst>
+                        <p:par>
+                          <p:cTn id="27" fill="hold">
+                            <p:stCondLst>
+                              <p:cond delay="0"/>
+                            </p:stCondLst>
+                            <p:childTnLst>
+                              <p:par>
+                                <p:cTn id="28" presetID="12" presetClass="entr" presetSubtype="4" fill="hold" nodeType="clickEffect">
+                                  <p:stCondLst>
+                                    <p:cond delay="0"/>
+                                  </p:stCondLst>
+                                  <p:childTnLst>
+                                    <p:set>
+                                      <p:cBhvr>
+                                        <p:cTn id="29" dur="1" fill="hold">
+                                          <p:stCondLst>
+                                            <p:cond delay="0"/>
+                                          </p:stCondLst>
+                                        </p:cTn>
+                                        <p:tgtEl>
+                                          <p:spTgt spid="3">
+                                            <p:txEl>
+                                              <p:pRg st="7" end="7"/>
+                                            </p:txEl>
+                                          </p:spTgt>
+                                        </p:tgtEl>
+                                        <p:attrNameLst>
+                                          <p:attrName>style.visibility</p:attrName>
+                                        </p:attrNameLst>
+                                      </p:cBhvr>
+                                      <p:to>
+                                        <p:strVal val="visible"/>
+                                      </p:to>
+                                    </p:set>
+                                    <p:anim calcmode="lin" valueType="num">
+                                      <p:cBhvr additive="base">
+                                        <p:cTn id="30" dur="500"/>
+                                        <p:tgtEl>
+                                          <p:spTgt spid="3">
+                                            <p:txEl>
+                                              <p:pRg st="7" end="7"/>
+                                            </p:txEl>
+                                          </p:spTgt>
+                                        </p:tgtEl>
+                                        <p:attrNameLst>
+                                          <p:attrName>ppt_y</p:attrName>
+                                        </p:attrNameLst>
+                                      </p:cBhvr>
+                                      <p:tavLst>
+                                        <p:tav tm="0">
+                                          <p:val>
+                                            <p:strVal val="#ppt_y+#ppt_h*1.125000"/>
+                                          </p:val>
+                                        </p:tav>
+                                        <p:tav tm="100000">
+                                          <p:val>
+                                            <p:strVal val="#ppt_y"/>
+                                          </p:val>
+                                        </p:tav>
+                                      </p:tavLst>
+                                    </p:anim>
+                                    <p:animEffect transition="in" filter="wipe(up)">
+                                      <p:cBhvr>
+                                        <p:cTn id="31" dur="500"/>
+                                        <p:tgtEl>
+                                          <p:spTgt spid="3">
+                                            <p:txEl>
+                                              <p:pRg st="7" end="7"/>
+                                            </p:txEl>
+                                          </p:spTgt>
+                                        </p:tgtEl>
+                                      </p:cBhvr>
+                                    </p:animEffect>
+                                  </p:childTnLst>
+                                </p:cTn>
+                              </p:par>
+                            </p:childTnLst>
+                          </p:cTn>
+                        </p:par>
+                      </p:childTnLst>
+                    </p:cTn>
+                  </p:par>
+                </p:childTnLst>
+              </p:cTn>
+              <p:prevCondLst>
+                <p:cond evt="onPrev" delay="0">
+                  <p:tgtEl>
+                    <p:sldTgt/>
+                  </p:tgtEl>
+                </p:cond>
+              </p:prevCondLst>
+              <p:nextCondLst>
+                <p:cond evt="onNext" delay="0">
+                  <p:tgtEl>
+                    <p:sldTgt/>
+                  </p:tgtEl>
+                </p:cond>
+              </p:nextCondLst>
+            </p:seq>
+          </p:childTnLst>
+        </p:cTn>
+      </p:par>
+    </p:tnLst>
+  </p:timing>
 </p:sld>
 </file>
 
